--- a/Documentation/Smart Shopping Final PPT.pptx
+++ b/Documentation/Smart Shopping Final PPT.pptx
@@ -146,7 +146,7 @@
             <a:alphaModFix amt="30000"/>
             <a:extLst>
               <a:ext uri="{28A0092B-C50C-407E-A947-70E740481C1C}">
-                <a14:useLocalDpi xmlns:a14="http://schemas.microsoft.com/office/drawing/2010/main" val="0"/>
+                <a14:useLocalDpi xmlns:a14="http://schemas.microsoft.com/office/drawing/2010/main" xmlns="" val="0"/>
               </a:ext>
             </a:extLst>
           </a:blip>
@@ -166,7 +166,7 @@
           <a:noFill/>
           <a:extLst>
             <a:ext uri="{909E8E84-426E-40dd-AFC4-6F175D3DCCD1}">
-              <a14:hiddenFill xmlns:a14="http://schemas.microsoft.com/office/drawing/2010/main" xmlns="">
+              <a14:hiddenFill xmlns="" xmlns:a14="http://schemas.microsoft.com/office/drawing/2010/main">
                 <a:solidFill>
                   <a:srgbClr val="FFFFFF"/>
                 </a:solidFill>
@@ -226,7 +226,7 @@
             </a:ln>
             <a:extLst>
               <a:ext uri="{91240B29-F687-4f45-9708-019B960494DF}">
-                <a14:hiddenLine xmlns:a14="http://schemas.microsoft.com/office/drawing/2010/main" xmlns="" w="9525">
+                <a14:hiddenLine xmlns="" xmlns:a14="http://schemas.microsoft.com/office/drawing/2010/main" w="9525">
                   <a:solidFill>
                     <a:srgbClr val="000000"/>
                   </a:solidFill>
@@ -316,7 +316,7 @@
             </a:ln>
             <a:extLst>
               <a:ext uri="{91240B29-F687-4f45-9708-019B960494DF}">
-                <a14:hiddenLine xmlns:a14="http://schemas.microsoft.com/office/drawing/2010/main" xmlns="" w="9525">
+                <a14:hiddenLine xmlns="" xmlns:a14="http://schemas.microsoft.com/office/drawing/2010/main" w="9525">
                   <a:solidFill>
                     <a:srgbClr val="000000"/>
                   </a:solidFill>
@@ -406,7 +406,7 @@
             </a:ln>
             <a:extLst>
               <a:ext uri="{91240B29-F687-4f45-9708-019B960494DF}">
-                <a14:hiddenLine xmlns:a14="http://schemas.microsoft.com/office/drawing/2010/main" xmlns="" w="9525">
+                <a14:hiddenLine xmlns="" xmlns:a14="http://schemas.microsoft.com/office/drawing/2010/main" w="9525">
                   <a:solidFill>
                     <a:srgbClr val="000000"/>
                   </a:solidFill>
@@ -440,7 +440,7 @@
             </a:ln>
             <a:extLst>
               <a:ext uri="{91240B29-F687-4f45-9708-019B960494DF}">
-                <a14:hiddenLine xmlns:a14="http://schemas.microsoft.com/office/drawing/2010/main" xmlns="" w="9525">
+                <a14:hiddenLine xmlns="" xmlns:a14="http://schemas.microsoft.com/office/drawing/2010/main" w="9525">
                   <a:solidFill>
                     <a:srgbClr val="000000"/>
                   </a:solidFill>
@@ -530,7 +530,7 @@
             </a:ln>
             <a:extLst>
               <a:ext uri="{91240B29-F687-4f45-9708-019B960494DF}">
-                <a14:hiddenLine xmlns:a14="http://schemas.microsoft.com/office/drawing/2010/main" xmlns="" w="9525">
+                <a14:hiddenLine xmlns="" xmlns:a14="http://schemas.microsoft.com/office/drawing/2010/main" w="9525">
                   <a:solidFill>
                     <a:srgbClr val="000000"/>
                   </a:solidFill>
@@ -592,7 +592,7 @@
             </a:ln>
             <a:extLst>
               <a:ext uri="{91240B29-F687-4f45-9708-019B960494DF}">
-                <a14:hiddenLine xmlns:a14="http://schemas.microsoft.com/office/drawing/2010/main" xmlns="" w="9525">
+                <a14:hiddenLine xmlns="" xmlns:a14="http://schemas.microsoft.com/office/drawing/2010/main" w="9525">
                   <a:solidFill>
                     <a:srgbClr val="000000"/>
                   </a:solidFill>
@@ -654,7 +654,7 @@
             </a:ln>
             <a:extLst>
               <a:ext uri="{91240B29-F687-4f45-9708-019B960494DF}">
-                <a14:hiddenLine xmlns:a14="http://schemas.microsoft.com/office/drawing/2010/main" xmlns="" w="9525">
+                <a14:hiddenLine xmlns="" xmlns:a14="http://schemas.microsoft.com/office/drawing/2010/main" w="9525">
                   <a:solidFill>
                     <a:srgbClr val="000000"/>
                   </a:solidFill>
@@ -744,7 +744,7 @@
             </a:ln>
             <a:extLst>
               <a:ext uri="{91240B29-F687-4f45-9708-019B960494DF}">
-                <a14:hiddenLine xmlns:a14="http://schemas.microsoft.com/office/drawing/2010/main" xmlns="" w="9525">
+                <a14:hiddenLine xmlns="" xmlns:a14="http://schemas.microsoft.com/office/drawing/2010/main" w="9525">
                   <a:solidFill>
                     <a:srgbClr val="000000"/>
                   </a:solidFill>
@@ -806,7 +806,7 @@
             </a:ln>
             <a:extLst>
               <a:ext uri="{91240B29-F687-4f45-9708-019B960494DF}">
-                <a14:hiddenLine xmlns:a14="http://schemas.microsoft.com/office/drawing/2010/main" xmlns="" w="9525">
+                <a14:hiddenLine xmlns="" xmlns:a14="http://schemas.microsoft.com/office/drawing/2010/main" w="9525">
                   <a:solidFill>
                     <a:srgbClr val="000000"/>
                   </a:solidFill>
@@ -868,7 +868,7 @@
             </a:ln>
             <a:extLst>
               <a:ext uri="{91240B29-F687-4f45-9708-019B960494DF}">
-                <a14:hiddenLine xmlns:a14="http://schemas.microsoft.com/office/drawing/2010/main" xmlns="" w="9525">
+                <a14:hiddenLine xmlns="" xmlns:a14="http://schemas.microsoft.com/office/drawing/2010/main" w="9525">
                   <a:solidFill>
                     <a:srgbClr val="000000"/>
                   </a:solidFill>
@@ -958,7 +958,7 @@
             </a:ln>
             <a:extLst>
               <a:ext uri="{91240B29-F687-4f45-9708-019B960494DF}">
-                <a14:hiddenLine xmlns:a14="http://schemas.microsoft.com/office/drawing/2010/main" xmlns="" w="9525">
+                <a14:hiddenLine xmlns="" xmlns:a14="http://schemas.microsoft.com/office/drawing/2010/main" w="9525">
                   <a:solidFill>
                     <a:srgbClr val="000000"/>
                   </a:solidFill>
@@ -1048,7 +1048,7 @@
             </a:ln>
             <a:extLst>
               <a:ext uri="{91240B29-F687-4f45-9708-019B960494DF}">
-                <a14:hiddenLine xmlns:a14="http://schemas.microsoft.com/office/drawing/2010/main" xmlns="" w="9525">
+                <a14:hiddenLine xmlns="" xmlns:a14="http://schemas.microsoft.com/office/drawing/2010/main" w="9525">
                   <a:solidFill>
                     <a:srgbClr val="000000"/>
                   </a:solidFill>
@@ -1110,7 +1110,7 @@
             </a:ln>
             <a:extLst>
               <a:ext uri="{91240B29-F687-4f45-9708-019B960494DF}">
-                <a14:hiddenLine xmlns:a14="http://schemas.microsoft.com/office/drawing/2010/main" xmlns="" w="9525">
+                <a14:hiddenLine xmlns="" xmlns:a14="http://schemas.microsoft.com/office/drawing/2010/main" w="9525">
                   <a:solidFill>
                     <a:srgbClr val="000000"/>
                   </a:solidFill>
@@ -1220,7 +1220,7 @@
             </a:ln>
             <a:extLst>
               <a:ext uri="{91240B29-F687-4f45-9708-019B960494DF}">
-                <a14:hiddenLine xmlns:a14="http://schemas.microsoft.com/office/drawing/2010/main" xmlns="" w="9525">
+                <a14:hiddenLine xmlns="" xmlns:a14="http://schemas.microsoft.com/office/drawing/2010/main" w="9525">
                   <a:solidFill>
                     <a:srgbClr val="000000"/>
                   </a:solidFill>
@@ -1282,7 +1282,7 @@
             </a:ln>
             <a:extLst>
               <a:ext uri="{91240B29-F687-4f45-9708-019B960494DF}">
-                <a14:hiddenLine xmlns:a14="http://schemas.microsoft.com/office/drawing/2010/main" xmlns="" w="9525">
+                <a14:hiddenLine xmlns="" xmlns:a14="http://schemas.microsoft.com/office/drawing/2010/main" w="9525">
                   <a:solidFill>
                     <a:srgbClr val="000000"/>
                   </a:solidFill>
@@ -1372,7 +1372,7 @@
             </a:ln>
             <a:extLst>
               <a:ext uri="{91240B29-F687-4f45-9708-019B960494DF}">
-                <a14:hiddenLine xmlns:a14="http://schemas.microsoft.com/office/drawing/2010/main" xmlns="" w="9525">
+                <a14:hiddenLine xmlns="" xmlns:a14="http://schemas.microsoft.com/office/drawing/2010/main" w="9525">
                   <a:solidFill>
                     <a:srgbClr val="000000"/>
                   </a:solidFill>
@@ -1462,7 +1462,7 @@
             </a:ln>
             <a:extLst>
               <a:ext uri="{91240B29-F687-4f45-9708-019B960494DF}">
-                <a14:hiddenLine xmlns:a14="http://schemas.microsoft.com/office/drawing/2010/main" xmlns="" w="9525">
+                <a14:hiddenLine xmlns="" xmlns:a14="http://schemas.microsoft.com/office/drawing/2010/main" w="9525">
                   <a:solidFill>
                     <a:srgbClr val="000000"/>
                   </a:solidFill>
@@ -1524,7 +1524,7 @@
             </a:ln>
             <a:extLst>
               <a:ext uri="{91240B29-F687-4f45-9708-019B960494DF}">
-                <a14:hiddenLine xmlns:a14="http://schemas.microsoft.com/office/drawing/2010/main" xmlns="" w="9525">
+                <a14:hiddenLine xmlns="" xmlns:a14="http://schemas.microsoft.com/office/drawing/2010/main" w="9525">
                   <a:solidFill>
                     <a:srgbClr val="000000"/>
                   </a:solidFill>
@@ -1614,7 +1614,7 @@
             </a:ln>
             <a:extLst>
               <a:ext uri="{91240B29-F687-4f45-9708-019B960494DF}">
-                <a14:hiddenLine xmlns:a14="http://schemas.microsoft.com/office/drawing/2010/main" xmlns="" w="9525">
+                <a14:hiddenLine xmlns="" xmlns:a14="http://schemas.microsoft.com/office/drawing/2010/main" w="9525">
                   <a:solidFill>
                     <a:srgbClr val="000000"/>
                   </a:solidFill>
@@ -1704,7 +1704,7 @@
             </a:ln>
             <a:extLst>
               <a:ext uri="{91240B29-F687-4f45-9708-019B960494DF}">
-                <a14:hiddenLine xmlns:a14="http://schemas.microsoft.com/office/drawing/2010/main" xmlns="" w="9525">
+                <a14:hiddenLine xmlns="" xmlns:a14="http://schemas.microsoft.com/office/drawing/2010/main" w="9525">
                   <a:solidFill>
                     <a:srgbClr val="000000"/>
                   </a:solidFill>
@@ -1760,7 +1760,7 @@
             </a:ln>
             <a:extLst>
               <a:ext uri="{91240B29-F687-4f45-9708-019B960494DF}">
-                <a14:hiddenLine xmlns:a14="http://schemas.microsoft.com/office/drawing/2010/main" xmlns="" w="9525">
+                <a14:hiddenLine xmlns="" xmlns:a14="http://schemas.microsoft.com/office/drawing/2010/main" w="9525">
                   <a:solidFill>
                     <a:srgbClr val="000000"/>
                   </a:solidFill>
@@ -1850,7 +1850,7 @@
             </a:ln>
             <a:extLst>
               <a:ext uri="{91240B29-F687-4f45-9708-019B960494DF}">
-                <a14:hiddenLine xmlns:a14="http://schemas.microsoft.com/office/drawing/2010/main" xmlns="" w="9525">
+                <a14:hiddenLine xmlns="" xmlns:a14="http://schemas.microsoft.com/office/drawing/2010/main" w="9525">
                   <a:solidFill>
                     <a:srgbClr val="000000"/>
                   </a:solidFill>
@@ -1906,7 +1906,7 @@
             </a:ln>
             <a:extLst>
               <a:ext uri="{91240B29-F687-4f45-9708-019B960494DF}">
-                <a14:hiddenLine xmlns:a14="http://schemas.microsoft.com/office/drawing/2010/main" xmlns="" w="9525">
+                <a14:hiddenLine xmlns="" xmlns:a14="http://schemas.microsoft.com/office/drawing/2010/main" w="9525">
                   <a:solidFill>
                     <a:srgbClr val="000000"/>
                   </a:solidFill>
@@ -1996,7 +1996,7 @@
             </a:ln>
             <a:extLst>
               <a:ext uri="{91240B29-F687-4f45-9708-019B960494DF}">
-                <a14:hiddenLine xmlns:a14="http://schemas.microsoft.com/office/drawing/2010/main" xmlns="" w="9525">
+                <a14:hiddenLine xmlns="" xmlns:a14="http://schemas.microsoft.com/office/drawing/2010/main" w="9525">
                   <a:solidFill>
                     <a:srgbClr val="000000"/>
                   </a:solidFill>
@@ -2064,7 +2064,7 @@
             </a:ln>
             <a:extLst>
               <a:ext uri="{91240B29-F687-4f45-9708-019B960494DF}">
-                <a14:hiddenLine xmlns:a14="http://schemas.microsoft.com/office/drawing/2010/main" xmlns="" w="9525">
+                <a14:hiddenLine xmlns="" xmlns:a14="http://schemas.microsoft.com/office/drawing/2010/main" w="9525">
                   <a:solidFill>
                     <a:srgbClr val="000000"/>
                   </a:solidFill>
@@ -2154,7 +2154,7 @@
             </a:ln>
             <a:extLst>
               <a:ext uri="{91240B29-F687-4f45-9708-019B960494DF}">
-                <a14:hiddenLine xmlns:a14="http://schemas.microsoft.com/office/drawing/2010/main" xmlns="" w="9525">
+                <a14:hiddenLine xmlns="" xmlns:a14="http://schemas.microsoft.com/office/drawing/2010/main" w="9525">
                   <a:solidFill>
                     <a:srgbClr val="000000"/>
                   </a:solidFill>
@@ -2222,7 +2222,7 @@
             </a:ln>
             <a:extLst>
               <a:ext uri="{91240B29-F687-4f45-9708-019B960494DF}">
-                <a14:hiddenLine xmlns:a14="http://schemas.microsoft.com/office/drawing/2010/main" xmlns="" w="9525">
+                <a14:hiddenLine xmlns="" xmlns:a14="http://schemas.microsoft.com/office/drawing/2010/main" w="9525">
                   <a:solidFill>
                     <a:srgbClr val="000000"/>
                   </a:solidFill>
@@ -2312,7 +2312,7 @@
             </a:ln>
             <a:extLst>
               <a:ext uri="{91240B29-F687-4f45-9708-019B960494DF}">
-                <a14:hiddenLine xmlns:a14="http://schemas.microsoft.com/office/drawing/2010/main" xmlns="" w="9525">
+                <a14:hiddenLine xmlns="" xmlns:a14="http://schemas.microsoft.com/office/drawing/2010/main" w="9525">
                   <a:solidFill>
                     <a:srgbClr val="000000"/>
                   </a:solidFill>
@@ -2346,7 +2346,7 @@
             </a:ln>
             <a:extLst>
               <a:ext uri="{91240B29-F687-4f45-9708-019B960494DF}">
-                <a14:hiddenLine xmlns:a14="http://schemas.microsoft.com/office/drawing/2010/main" xmlns="" w="9525">
+                <a14:hiddenLine xmlns="" xmlns:a14="http://schemas.microsoft.com/office/drawing/2010/main" w="9525">
                   <a:solidFill>
                     <a:srgbClr val="000000"/>
                   </a:solidFill>
@@ -2436,7 +2436,7 @@
             </a:ln>
             <a:extLst>
               <a:ext uri="{91240B29-F687-4f45-9708-019B960494DF}">
-                <a14:hiddenLine xmlns:a14="http://schemas.microsoft.com/office/drawing/2010/main" xmlns="" w="9525">
+                <a14:hiddenLine xmlns="" xmlns:a14="http://schemas.microsoft.com/office/drawing/2010/main" w="9525">
                   <a:solidFill>
                     <a:srgbClr val="000000"/>
                   </a:solidFill>
@@ -2498,7 +2498,7 @@
             </a:ln>
             <a:extLst>
               <a:ext uri="{91240B29-F687-4f45-9708-019B960494DF}">
-                <a14:hiddenLine xmlns:a14="http://schemas.microsoft.com/office/drawing/2010/main" xmlns="" w="9525">
+                <a14:hiddenLine xmlns="" xmlns:a14="http://schemas.microsoft.com/office/drawing/2010/main" w="9525">
                   <a:solidFill>
                     <a:srgbClr val="000000"/>
                   </a:solidFill>
@@ -2560,7 +2560,7 @@
             </a:ln>
             <a:extLst>
               <a:ext uri="{91240B29-F687-4f45-9708-019B960494DF}">
-                <a14:hiddenLine xmlns:a14="http://schemas.microsoft.com/office/drawing/2010/main" xmlns="" w="9525">
+                <a14:hiddenLine xmlns="" xmlns:a14="http://schemas.microsoft.com/office/drawing/2010/main" w="9525">
                   <a:solidFill>
                     <a:srgbClr val="000000"/>
                   </a:solidFill>
@@ -2650,7 +2650,7 @@
             </a:ln>
             <a:extLst>
               <a:ext uri="{91240B29-F687-4f45-9708-019B960494DF}">
-                <a14:hiddenLine xmlns:a14="http://schemas.microsoft.com/office/drawing/2010/main" xmlns="" w="9525">
+                <a14:hiddenLine xmlns="" xmlns:a14="http://schemas.microsoft.com/office/drawing/2010/main" w="9525">
                   <a:solidFill>
                     <a:srgbClr val="000000"/>
                   </a:solidFill>
@@ -2718,7 +2718,7 @@
             </a:ln>
             <a:extLst>
               <a:ext uri="{91240B29-F687-4f45-9708-019B960494DF}">
-                <a14:hiddenLine xmlns:a14="http://schemas.microsoft.com/office/drawing/2010/main" xmlns="" w="9525">
+                <a14:hiddenLine xmlns="" xmlns:a14="http://schemas.microsoft.com/office/drawing/2010/main" w="9525">
                   <a:solidFill>
                     <a:srgbClr val="000000"/>
                   </a:solidFill>
@@ -2780,7 +2780,7 @@
             </a:ln>
             <a:extLst>
               <a:ext uri="{91240B29-F687-4f45-9708-019B960494DF}">
-                <a14:hiddenLine xmlns:a14="http://schemas.microsoft.com/office/drawing/2010/main" xmlns="" w="9525">
+                <a14:hiddenLine xmlns="" xmlns:a14="http://schemas.microsoft.com/office/drawing/2010/main" w="9525">
                   <a:solidFill>
                     <a:srgbClr val="000000"/>
                   </a:solidFill>
@@ -2870,7 +2870,7 @@
             </a:ln>
             <a:extLst>
               <a:ext uri="{91240B29-F687-4f45-9708-019B960494DF}">
-                <a14:hiddenLine xmlns:a14="http://schemas.microsoft.com/office/drawing/2010/main" xmlns="" w="9525">
+                <a14:hiddenLine xmlns="" xmlns:a14="http://schemas.microsoft.com/office/drawing/2010/main" w="9525">
                   <a:solidFill>
                     <a:srgbClr val="000000"/>
                   </a:solidFill>
@@ -2932,7 +2932,7 @@
             </a:ln>
             <a:extLst>
               <a:ext uri="{91240B29-F687-4f45-9708-019B960494DF}">
-                <a14:hiddenLine xmlns:a14="http://schemas.microsoft.com/office/drawing/2010/main" xmlns="" w="9525">
+                <a14:hiddenLine xmlns="" xmlns:a14="http://schemas.microsoft.com/office/drawing/2010/main" w="9525">
                   <a:solidFill>
                     <a:srgbClr val="000000"/>
                   </a:solidFill>
@@ -3022,7 +3022,7 @@
             </a:ln>
             <a:extLst>
               <a:ext uri="{91240B29-F687-4f45-9708-019B960494DF}">
-                <a14:hiddenLine xmlns:a14="http://schemas.microsoft.com/office/drawing/2010/main" xmlns="" w="9525">
+                <a14:hiddenLine xmlns="" xmlns:a14="http://schemas.microsoft.com/office/drawing/2010/main" w="9525">
                   <a:solidFill>
                     <a:srgbClr val="000000"/>
                   </a:solidFill>
@@ -3084,7 +3084,7 @@
             </a:ln>
             <a:extLst>
               <a:ext uri="{91240B29-F687-4f45-9708-019B960494DF}">
-                <a14:hiddenLine xmlns:a14="http://schemas.microsoft.com/office/drawing/2010/main" xmlns="" w="9525">
+                <a14:hiddenLine xmlns="" xmlns:a14="http://schemas.microsoft.com/office/drawing/2010/main" w="9525">
                   <a:solidFill>
                     <a:srgbClr val="000000"/>
                   </a:solidFill>
@@ -3174,7 +3174,7 @@
             </a:ln>
             <a:extLst>
               <a:ext uri="{91240B29-F687-4f45-9708-019B960494DF}">
-                <a14:hiddenLine xmlns:a14="http://schemas.microsoft.com/office/drawing/2010/main" xmlns="" w="9525">
+                <a14:hiddenLine xmlns="" xmlns:a14="http://schemas.microsoft.com/office/drawing/2010/main" w="9525">
                   <a:solidFill>
                     <a:srgbClr val="000000"/>
                   </a:solidFill>
@@ -3208,7 +3208,7 @@
             </a:ln>
             <a:extLst>
               <a:ext uri="{91240B29-F687-4f45-9708-019B960494DF}">
-                <a14:hiddenLine xmlns:a14="http://schemas.microsoft.com/office/drawing/2010/main" xmlns="" w="9525">
+                <a14:hiddenLine xmlns="" xmlns:a14="http://schemas.microsoft.com/office/drawing/2010/main" w="9525">
                   <a:solidFill>
                     <a:srgbClr val="000000"/>
                   </a:solidFill>
@@ -3273,7 +3273,7 @@
             </a:ln>
             <a:extLst>
               <a:ext uri="{91240B29-F687-4f45-9708-019B960494DF}">
-                <a14:hiddenLine xmlns:a14="http://schemas.microsoft.com/office/drawing/2010/main" xmlns="" w="9525">
+                <a14:hiddenLine xmlns="" xmlns:a14="http://schemas.microsoft.com/office/drawing/2010/main" w="9525">
                   <a:solidFill>
                     <a:srgbClr val="000000"/>
                   </a:solidFill>
@@ -3363,7 +3363,7 @@
             </a:ln>
             <a:extLst>
               <a:ext uri="{91240B29-F687-4f45-9708-019B960494DF}">
-                <a14:hiddenLine xmlns:a14="http://schemas.microsoft.com/office/drawing/2010/main" xmlns="" w="9525">
+                <a14:hiddenLine xmlns="" xmlns:a14="http://schemas.microsoft.com/office/drawing/2010/main" w="9525">
                   <a:solidFill>
                     <a:srgbClr val="000000"/>
                   </a:solidFill>
@@ -3425,7 +3425,7 @@
             </a:ln>
             <a:extLst>
               <a:ext uri="{91240B29-F687-4f45-9708-019B960494DF}">
-                <a14:hiddenLine xmlns:a14="http://schemas.microsoft.com/office/drawing/2010/main" xmlns="" w="9525">
+                <a14:hiddenLine xmlns="" xmlns:a14="http://schemas.microsoft.com/office/drawing/2010/main" w="9525">
                   <a:solidFill>
                     <a:srgbClr val="000000"/>
                   </a:solidFill>
@@ -3515,7 +3515,7 @@
             </a:ln>
             <a:extLst>
               <a:ext uri="{91240B29-F687-4f45-9708-019B960494DF}">
-                <a14:hiddenLine xmlns:a14="http://schemas.microsoft.com/office/drawing/2010/main" xmlns="" w="9525">
+                <a14:hiddenLine xmlns="" xmlns:a14="http://schemas.microsoft.com/office/drawing/2010/main" w="9525">
                   <a:solidFill>
                     <a:srgbClr val="000000"/>
                   </a:solidFill>
@@ -3605,7 +3605,7 @@
             </a:ln>
             <a:extLst>
               <a:ext uri="{91240B29-F687-4f45-9708-019B960494DF}">
-                <a14:hiddenLine xmlns:a14="http://schemas.microsoft.com/office/drawing/2010/main" xmlns="" w="9525">
+                <a14:hiddenLine xmlns="" xmlns:a14="http://schemas.microsoft.com/office/drawing/2010/main" w="9525">
                   <a:solidFill>
                     <a:srgbClr val="000000"/>
                   </a:solidFill>
@@ -3670,7 +3670,7 @@
             </a:ln>
             <a:extLst>
               <a:ext uri="{91240B29-F687-4f45-9708-019B960494DF}">
-                <a14:hiddenLine xmlns:a14="http://schemas.microsoft.com/office/drawing/2010/main" xmlns="" w="9525">
+                <a14:hiddenLine xmlns="" xmlns:a14="http://schemas.microsoft.com/office/drawing/2010/main" w="9525">
                   <a:solidFill>
                     <a:srgbClr val="000000"/>
                   </a:solidFill>
@@ -3732,7 +3732,7 @@
             </a:ln>
             <a:extLst>
               <a:ext uri="{91240B29-F687-4f45-9708-019B960494DF}">
-                <a14:hiddenLine xmlns:a14="http://schemas.microsoft.com/office/drawing/2010/main" xmlns="" w="9525">
+                <a14:hiddenLine xmlns="" xmlns:a14="http://schemas.microsoft.com/office/drawing/2010/main" w="9525">
                   <a:solidFill>
                     <a:srgbClr val="000000"/>
                   </a:solidFill>
@@ -3822,7 +3822,7 @@
             </a:ln>
             <a:extLst>
               <a:ext uri="{91240B29-F687-4f45-9708-019B960494DF}">
-                <a14:hiddenLine xmlns:a14="http://schemas.microsoft.com/office/drawing/2010/main" xmlns="" w="9525">
+                <a14:hiddenLine xmlns="" xmlns:a14="http://schemas.microsoft.com/office/drawing/2010/main" w="9525">
                   <a:solidFill>
                     <a:srgbClr val="000000"/>
                   </a:solidFill>
@@ -3912,7 +3912,7 @@
             </a:ln>
             <a:extLst>
               <a:ext uri="{91240B29-F687-4f45-9708-019B960494DF}">
-                <a14:hiddenLine xmlns:a14="http://schemas.microsoft.com/office/drawing/2010/main" xmlns="" w="9525">
+                <a14:hiddenLine xmlns="" xmlns:a14="http://schemas.microsoft.com/office/drawing/2010/main" w="9525">
                   <a:solidFill>
                     <a:srgbClr val="000000"/>
                   </a:solidFill>
@@ -3974,7 +3974,7 @@
             </a:ln>
             <a:extLst>
               <a:ext uri="{91240B29-F687-4f45-9708-019B960494DF}">
-                <a14:hiddenLine xmlns:a14="http://schemas.microsoft.com/office/drawing/2010/main" xmlns="" w="9525">
+                <a14:hiddenLine xmlns="" xmlns:a14="http://schemas.microsoft.com/office/drawing/2010/main" w="9525">
                   <a:solidFill>
                     <a:srgbClr val="000000"/>
                   </a:solidFill>
@@ -4094,7 +4094,7 @@
             </a:ln>
             <a:extLst>
               <a:ext uri="{91240B29-F687-4f45-9708-019B960494DF}">
-                <a14:hiddenLine xmlns:a14="http://schemas.microsoft.com/office/drawing/2010/main" xmlns="" w="9525">
+                <a14:hiddenLine xmlns="" xmlns:a14="http://schemas.microsoft.com/office/drawing/2010/main" w="9525">
                   <a:solidFill>
                     <a:srgbClr val="000000"/>
                   </a:solidFill>
@@ -4162,7 +4162,7 @@
             </a:ln>
             <a:extLst>
               <a:ext uri="{91240B29-F687-4f45-9708-019B960494DF}">
-                <a14:hiddenLine xmlns:a14="http://schemas.microsoft.com/office/drawing/2010/main" xmlns="" w="9525">
+                <a14:hiddenLine xmlns="" xmlns:a14="http://schemas.microsoft.com/office/drawing/2010/main" w="9525">
                   <a:solidFill>
                     <a:srgbClr val="000000"/>
                   </a:solidFill>
@@ -4252,7 +4252,7 @@
             </a:ln>
             <a:extLst>
               <a:ext uri="{91240B29-F687-4f45-9708-019B960494DF}">
-                <a14:hiddenLine xmlns:a14="http://schemas.microsoft.com/office/drawing/2010/main" xmlns="" w="9525">
+                <a14:hiddenLine xmlns="" xmlns:a14="http://schemas.microsoft.com/office/drawing/2010/main" w="9525">
                   <a:solidFill>
                     <a:srgbClr val="000000"/>
                   </a:solidFill>
@@ -4392,6 +4392,7 @@
           <a:p>
             <a:fld id="{48A87A34-81AB-432B-8DAE-1953F412C126}" type="datetimeFigureOut">
               <a:rPr lang="en-US" dirty="0"/>
+              <a:pPr/>
               <a:t>4/30/2018</a:t>
             </a:fld>
             <a:endParaRPr lang="en-US" dirty="0"/>
@@ -4444,6 +4445,7 @@
           <a:p>
             <a:fld id="{6D22F896-40B5-4ADD-8801-0D06FADFA095}" type="slidenum">
               <a:rPr lang="en-US" dirty="0"/>
+              <a:pPr/>
               <a:t>‹#›</a:t>
             </a:fld>
             <a:endParaRPr lang="en-US" dirty="0"/>
@@ -4654,6 +4656,7 @@
           <a:p>
             <a:fld id="{48A87A34-81AB-432B-8DAE-1953F412C126}" type="datetimeFigureOut">
               <a:rPr lang="en-US" dirty="0"/>
+              <a:pPr/>
               <a:t>4/30/2018</a:t>
             </a:fld>
             <a:endParaRPr lang="en-US" dirty="0"/>
@@ -4696,6 +4699,7 @@
           <a:p>
             <a:fld id="{6D22F896-40B5-4ADD-8801-0D06FADFA095}" type="slidenum">
               <a:rPr lang="en-US" dirty="0"/>
+              <a:pPr/>
               <a:t>‹#›</a:t>
             </a:fld>
             <a:endParaRPr lang="en-US" dirty="0"/>
@@ -4845,6 +4849,7 @@
           <a:p>
             <a:fld id="{48A87A34-81AB-432B-8DAE-1953F412C126}" type="datetimeFigureOut">
               <a:rPr lang="en-US" dirty="0"/>
+              <a:pPr/>
               <a:t>4/30/2018</a:t>
             </a:fld>
             <a:endParaRPr lang="en-US" dirty="0"/>
@@ -4887,6 +4892,7 @@
           <a:p>
             <a:fld id="{6D22F896-40B5-4ADD-8801-0D06FADFA095}" type="slidenum">
               <a:rPr lang="en-US" dirty="0"/>
+              <a:pPr/>
               <a:t>‹#›</a:t>
             </a:fld>
             <a:endParaRPr lang="en-US" dirty="0"/>
@@ -5103,6 +5109,7 @@
           <a:p>
             <a:fld id="{48A87A34-81AB-432B-8DAE-1953F412C126}" type="datetimeFigureOut">
               <a:rPr lang="en-US" dirty="0"/>
+              <a:pPr/>
               <a:t>4/30/2018</a:t>
             </a:fld>
             <a:endParaRPr lang="en-US" dirty="0"/>
@@ -5145,6 +5152,7 @@
           <a:p>
             <a:fld id="{6D22F896-40B5-4ADD-8801-0D06FADFA095}" type="slidenum">
               <a:rPr lang="en-US" dirty="0"/>
+              <a:pPr/>
               <a:t>‹#›</a:t>
             </a:fld>
             <a:endParaRPr lang="en-US" dirty="0"/>
@@ -5532,6 +5540,7 @@
           <a:p>
             <a:fld id="{48A87A34-81AB-432B-8DAE-1953F412C126}" type="datetimeFigureOut">
               <a:rPr lang="en-US" dirty="0"/>
+              <a:pPr/>
               <a:t>4/30/2018</a:t>
             </a:fld>
             <a:endParaRPr lang="en-US" dirty="0"/>
@@ -5574,6 +5583,7 @@
           <a:p>
             <a:fld id="{6D22F896-40B5-4ADD-8801-0D06FADFA095}" type="slidenum">
               <a:rPr lang="en-US" dirty="0"/>
+              <a:pPr/>
               <a:t>‹#›</a:t>
             </a:fld>
             <a:endParaRPr lang="en-US" dirty="0"/>
@@ -6073,6 +6083,7 @@
           <a:p>
             <a:fld id="{48A87A34-81AB-432B-8DAE-1953F412C126}" type="datetimeFigureOut">
               <a:rPr lang="en-US" dirty="0"/>
+              <a:pPr/>
               <a:t>4/30/2018</a:t>
             </a:fld>
             <a:endParaRPr lang="en-US" dirty="0"/>
@@ -6115,6 +6126,7 @@
           <a:p>
             <a:fld id="{6D22F896-40B5-4ADD-8801-0D06FADFA095}" type="slidenum">
               <a:rPr lang="en-US" dirty="0"/>
+              <a:pPr/>
               <a:t>‹#›</a:t>
             </a:fld>
             <a:endParaRPr lang="en-US" dirty="0"/>
@@ -6788,6 +6800,7 @@
           <a:p>
             <a:fld id="{48A87A34-81AB-432B-8DAE-1953F412C126}" type="datetimeFigureOut">
               <a:rPr lang="en-US" dirty="0"/>
+              <a:pPr/>
               <a:t>4/30/2018</a:t>
             </a:fld>
             <a:endParaRPr lang="en-US" dirty="0"/>
@@ -6830,6 +6843,7 @@
           <a:p>
             <a:fld id="{6D22F896-40B5-4ADD-8801-0D06FADFA095}" type="slidenum">
               <a:rPr lang="en-US" dirty="0"/>
+              <a:pPr/>
               <a:t>‹#›</a:t>
             </a:fld>
             <a:endParaRPr lang="en-US" dirty="0"/>
@@ -6953,6 +6967,7 @@
           <a:p>
             <a:fld id="{48A87A34-81AB-432B-8DAE-1953F412C126}" type="datetimeFigureOut">
               <a:rPr lang="en-US" dirty="0"/>
+              <a:pPr/>
               <a:t>4/30/2018</a:t>
             </a:fld>
             <a:endParaRPr lang="en-US" dirty="0"/>
@@ -6995,6 +7010,7 @@
           <a:p>
             <a:fld id="{6D22F896-40B5-4ADD-8801-0D06FADFA095}" type="slidenum">
               <a:rPr lang="en-US" dirty="0"/>
+              <a:pPr/>
               <a:t>‹#›</a:t>
             </a:fld>
             <a:endParaRPr lang="en-US" dirty="0"/>
@@ -7128,6 +7144,7 @@
           <a:p>
             <a:fld id="{48A87A34-81AB-432B-8DAE-1953F412C126}" type="datetimeFigureOut">
               <a:rPr lang="en-US" dirty="0"/>
+              <a:pPr/>
               <a:t>4/30/2018</a:t>
             </a:fld>
             <a:endParaRPr lang="en-US" dirty="0"/>
@@ -7170,6 +7187,7 @@
           <a:p>
             <a:fld id="{6D22F896-40B5-4ADD-8801-0D06FADFA095}" type="slidenum">
               <a:rPr lang="en-US" dirty="0"/>
+              <a:pPr/>
               <a:t>‹#›</a:t>
             </a:fld>
             <a:endParaRPr lang="en-US" dirty="0"/>
@@ -7293,6 +7311,7 @@
           <a:p>
             <a:fld id="{48A87A34-81AB-432B-8DAE-1953F412C126}" type="datetimeFigureOut">
               <a:rPr lang="en-US" dirty="0"/>
+              <a:pPr/>
               <a:t>4/30/2018</a:t>
             </a:fld>
             <a:endParaRPr lang="en-US" dirty="0"/>
@@ -7335,6 +7354,7 @@
           <a:p>
             <a:fld id="{6D22F896-40B5-4ADD-8801-0D06FADFA095}" type="slidenum">
               <a:rPr lang="en-US" dirty="0"/>
+              <a:pPr/>
               <a:t>‹#›</a:t>
             </a:fld>
             <a:endParaRPr lang="en-US" dirty="0"/>
@@ -7538,6 +7558,7 @@
           <a:p>
             <a:fld id="{48A87A34-81AB-432B-8DAE-1953F412C126}" type="datetimeFigureOut">
               <a:rPr lang="en-US" dirty="0"/>
+              <a:pPr/>
               <a:t>4/30/2018</a:t>
             </a:fld>
             <a:endParaRPr lang="en-US" dirty="0"/>
@@ -7580,6 +7601,7 @@
           <a:p>
             <a:fld id="{6D22F896-40B5-4ADD-8801-0D06FADFA095}" type="slidenum">
               <a:rPr lang="en-US" dirty="0"/>
+              <a:pPr/>
               <a:t>‹#›</a:t>
             </a:fld>
             <a:endParaRPr lang="en-US" dirty="0"/>
@@ -7765,6 +7787,7 @@
           <a:p>
             <a:fld id="{48A87A34-81AB-432B-8DAE-1953F412C126}" type="datetimeFigureOut">
               <a:rPr lang="en-US" dirty="0"/>
+              <a:pPr/>
               <a:t>4/30/2018</a:t>
             </a:fld>
             <a:endParaRPr lang="en-US" dirty="0"/>
@@ -7807,6 +7830,7 @@
           <a:p>
             <a:fld id="{6D22F896-40B5-4ADD-8801-0D06FADFA095}" type="slidenum">
               <a:rPr lang="en-US" dirty="0"/>
+              <a:pPr/>
               <a:t>‹#›</a:t>
             </a:fld>
             <a:endParaRPr lang="en-US" dirty="0"/>
@@ -8141,6 +8165,7 @@
           <a:p>
             <a:fld id="{48A87A34-81AB-432B-8DAE-1953F412C126}" type="datetimeFigureOut">
               <a:rPr lang="en-US" dirty="0"/>
+              <a:pPr/>
               <a:t>4/30/2018</a:t>
             </a:fld>
             <a:endParaRPr lang="en-US" dirty="0"/>
@@ -8183,6 +8208,7 @@
           <a:p>
             <a:fld id="{6D22F896-40B5-4ADD-8801-0D06FADFA095}" type="slidenum">
               <a:rPr lang="en-US" dirty="0"/>
+              <a:pPr/>
               <a:t>‹#›</a:t>
             </a:fld>
             <a:endParaRPr lang="en-US" dirty="0"/>
@@ -8254,6 +8280,7 @@
           <a:p>
             <a:fld id="{48A87A34-81AB-432B-8DAE-1953F412C126}" type="datetimeFigureOut">
               <a:rPr lang="en-US" dirty="0"/>
+              <a:pPr/>
               <a:t>4/30/2018</a:t>
             </a:fld>
             <a:endParaRPr lang="en-US" dirty="0"/>
@@ -8296,6 +8323,7 @@
           <a:p>
             <a:fld id="{6D22F896-40B5-4ADD-8801-0D06FADFA095}" type="slidenum">
               <a:rPr lang="en-US" dirty="0"/>
+              <a:pPr/>
               <a:t>‹#›</a:t>
             </a:fld>
             <a:endParaRPr lang="en-US" dirty="0"/>
@@ -8344,6 +8372,7 @@
           <a:p>
             <a:fld id="{48A87A34-81AB-432B-8DAE-1953F412C126}" type="datetimeFigureOut">
               <a:rPr lang="en-US" dirty="0"/>
+              <a:pPr/>
               <a:t>4/30/2018</a:t>
             </a:fld>
             <a:endParaRPr lang="en-US" dirty="0"/>
@@ -8386,6 +8415,7 @@
           <a:p>
             <a:fld id="{6D22F896-40B5-4ADD-8801-0D06FADFA095}" type="slidenum">
               <a:rPr lang="en-US" dirty="0"/>
+              <a:pPr/>
               <a:t>‹#›</a:t>
             </a:fld>
             <a:endParaRPr lang="en-US" dirty="0"/>
@@ -8588,6 +8618,7 @@
           <a:p>
             <a:fld id="{48A87A34-81AB-432B-8DAE-1953F412C126}" type="datetimeFigureOut">
               <a:rPr lang="en-US" dirty="0"/>
+              <a:pPr/>
               <a:t>4/30/2018</a:t>
             </a:fld>
             <a:endParaRPr lang="en-US" dirty="0"/>
@@ -8630,6 +8661,7 @@
           <a:p>
             <a:fld id="{6D22F896-40B5-4ADD-8801-0D06FADFA095}" type="slidenum">
               <a:rPr lang="en-US" dirty="0"/>
+              <a:pPr/>
               <a:t>‹#›</a:t>
             </a:fld>
             <a:endParaRPr lang="en-US" dirty="0"/>
@@ -8863,6 +8895,7 @@
           <a:p>
             <a:fld id="{48A87A34-81AB-432B-8DAE-1953F412C126}" type="datetimeFigureOut">
               <a:rPr lang="en-US" dirty="0"/>
+              <a:pPr/>
               <a:t>4/30/2018</a:t>
             </a:fld>
             <a:endParaRPr lang="en-US" dirty="0"/>
@@ -8905,6 +8938,7 @@
           <a:p>
             <a:fld id="{6D22F896-40B5-4ADD-8801-0D06FADFA095}" type="slidenum">
               <a:rPr lang="en-US" dirty="0"/>
+              <a:pPr/>
               <a:t>‹#›</a:t>
             </a:fld>
             <a:endParaRPr lang="en-US" dirty="0"/>
@@ -8954,7 +8988,7 @@
             <a:alphaModFix amt="30000"/>
             <a:extLst>
               <a:ext uri="{28A0092B-C50C-407E-A947-70E740481C1C}">
-                <a14:useLocalDpi xmlns:a14="http://schemas.microsoft.com/office/drawing/2010/main" val="0"/>
+                <a14:useLocalDpi xmlns:a14="http://schemas.microsoft.com/office/drawing/2010/main" xmlns="" val="0"/>
               </a:ext>
             </a:extLst>
           </a:blip>
@@ -8974,7 +9008,7 @@
           <a:noFill/>
           <a:extLst>
             <a:ext uri="{909E8E84-426E-40dd-AFC4-6F175D3DCCD1}">
-              <a14:hiddenFill xmlns:a14="http://schemas.microsoft.com/office/drawing/2010/main" xmlns="">
+              <a14:hiddenFill xmlns="" xmlns:a14="http://schemas.microsoft.com/office/drawing/2010/main">
                 <a:solidFill>
                   <a:srgbClr val="FFFFFF"/>
                 </a:solidFill>
@@ -9048,7 +9082,7 @@
               </a:ln>
               <a:extLst>
                 <a:ext uri="{91240B29-F687-4f45-9708-019B960494DF}">
-                  <a14:hiddenLine xmlns:a14="http://schemas.microsoft.com/office/drawing/2010/main" xmlns="" w="9525">
+                  <a14:hiddenLine xmlns="" xmlns:a14="http://schemas.microsoft.com/office/drawing/2010/main" w="9525">
                     <a:solidFill>
                       <a:srgbClr val="000000"/>
                     </a:solidFill>
@@ -9138,7 +9172,7 @@
               </a:ln>
               <a:extLst>
                 <a:ext uri="{91240B29-F687-4f45-9708-019B960494DF}">
-                  <a14:hiddenLine xmlns:a14="http://schemas.microsoft.com/office/drawing/2010/main" xmlns="" w="9525">
+                  <a14:hiddenLine xmlns="" xmlns:a14="http://schemas.microsoft.com/office/drawing/2010/main" w="9525">
                     <a:solidFill>
                       <a:srgbClr val="000000"/>
                     </a:solidFill>
@@ -9228,7 +9262,7 @@
               </a:ln>
               <a:extLst>
                 <a:ext uri="{91240B29-F687-4f45-9708-019B960494DF}">
-                  <a14:hiddenLine xmlns:a14="http://schemas.microsoft.com/office/drawing/2010/main" xmlns="" w="9525">
+                  <a14:hiddenLine xmlns="" xmlns:a14="http://schemas.microsoft.com/office/drawing/2010/main" w="9525">
                     <a:solidFill>
                       <a:srgbClr val="000000"/>
                     </a:solidFill>
@@ -9290,7 +9324,7 @@
               </a:ln>
               <a:extLst>
                 <a:ext uri="{91240B29-F687-4f45-9708-019B960494DF}">
-                  <a14:hiddenLine xmlns:a14="http://schemas.microsoft.com/office/drawing/2010/main" xmlns="" w="9525">
+                  <a14:hiddenLine xmlns="" xmlns:a14="http://schemas.microsoft.com/office/drawing/2010/main" w="9525">
                     <a:solidFill>
                       <a:srgbClr val="000000"/>
                     </a:solidFill>
@@ -9380,7 +9414,7 @@
               </a:ln>
               <a:extLst>
                 <a:ext uri="{91240B29-F687-4f45-9708-019B960494DF}">
-                  <a14:hiddenLine xmlns:a14="http://schemas.microsoft.com/office/drawing/2010/main" xmlns="" w="9525">
+                  <a14:hiddenLine xmlns="" xmlns:a14="http://schemas.microsoft.com/office/drawing/2010/main" w="9525">
                     <a:solidFill>
                       <a:srgbClr val="000000"/>
                     </a:solidFill>
@@ -9442,7 +9476,7 @@
               </a:ln>
               <a:extLst>
                 <a:ext uri="{91240B29-F687-4f45-9708-019B960494DF}">
-                  <a14:hiddenLine xmlns:a14="http://schemas.microsoft.com/office/drawing/2010/main" xmlns="" w="9525">
+                  <a14:hiddenLine xmlns="" xmlns:a14="http://schemas.microsoft.com/office/drawing/2010/main" w="9525">
                     <a:solidFill>
                       <a:srgbClr val="000000"/>
                     </a:solidFill>
@@ -9504,7 +9538,7 @@
               </a:ln>
               <a:extLst>
                 <a:ext uri="{91240B29-F687-4f45-9708-019B960494DF}">
-                  <a14:hiddenLine xmlns:a14="http://schemas.microsoft.com/office/drawing/2010/main" xmlns="" w="9525">
+                  <a14:hiddenLine xmlns="" xmlns:a14="http://schemas.microsoft.com/office/drawing/2010/main" w="9525">
                     <a:solidFill>
                       <a:srgbClr val="000000"/>
                     </a:solidFill>
@@ -9594,7 +9628,7 @@
               </a:ln>
               <a:extLst>
                 <a:ext uri="{91240B29-F687-4f45-9708-019B960494DF}">
-                  <a14:hiddenLine xmlns:a14="http://schemas.microsoft.com/office/drawing/2010/main" xmlns="" w="9525">
+                  <a14:hiddenLine xmlns="" xmlns:a14="http://schemas.microsoft.com/office/drawing/2010/main" w="9525">
                     <a:solidFill>
                       <a:srgbClr val="000000"/>
                     </a:solidFill>
@@ -9684,7 +9718,7 @@
               </a:ln>
               <a:extLst>
                 <a:ext uri="{91240B29-F687-4f45-9708-019B960494DF}">
-                  <a14:hiddenLine xmlns:a14="http://schemas.microsoft.com/office/drawing/2010/main" xmlns="" w="9525">
+                  <a14:hiddenLine xmlns="" xmlns:a14="http://schemas.microsoft.com/office/drawing/2010/main" w="9525">
                     <a:solidFill>
                       <a:srgbClr val="000000"/>
                     </a:solidFill>
@@ -9746,7 +9780,7 @@
               </a:ln>
               <a:extLst>
                 <a:ext uri="{91240B29-F687-4f45-9708-019B960494DF}">
-                  <a14:hiddenLine xmlns:a14="http://schemas.microsoft.com/office/drawing/2010/main" xmlns="" w="9525">
+                  <a14:hiddenLine xmlns="" xmlns:a14="http://schemas.microsoft.com/office/drawing/2010/main" w="9525">
                     <a:solidFill>
                       <a:srgbClr val="000000"/>
                     </a:solidFill>
@@ -9856,7 +9890,7 @@
               </a:ln>
               <a:extLst>
                 <a:ext uri="{91240B29-F687-4f45-9708-019B960494DF}">
-                  <a14:hiddenLine xmlns:a14="http://schemas.microsoft.com/office/drawing/2010/main" xmlns="" w="9525">
+                  <a14:hiddenLine xmlns="" xmlns:a14="http://schemas.microsoft.com/office/drawing/2010/main" w="9525">
                     <a:solidFill>
                       <a:srgbClr val="000000"/>
                     </a:solidFill>
@@ -9940,7 +9974,7 @@
               </a:ln>
               <a:extLst>
                 <a:ext uri="{91240B29-F687-4f45-9708-019B960494DF}">
-                  <a14:hiddenLine xmlns:a14="http://schemas.microsoft.com/office/drawing/2010/main" xmlns="" w="9525">
+                  <a14:hiddenLine xmlns="" xmlns:a14="http://schemas.microsoft.com/office/drawing/2010/main" w="9525">
                     <a:solidFill>
                       <a:srgbClr val="000000"/>
                     </a:solidFill>
@@ -10002,7 +10036,7 @@
               </a:ln>
               <a:extLst>
                 <a:ext uri="{91240B29-F687-4f45-9708-019B960494DF}">
-                  <a14:hiddenLine xmlns:a14="http://schemas.microsoft.com/office/drawing/2010/main" xmlns="" w="9525">
+                  <a14:hiddenLine xmlns="" xmlns:a14="http://schemas.microsoft.com/office/drawing/2010/main" w="9525">
                     <a:solidFill>
                       <a:srgbClr val="000000"/>
                     </a:solidFill>
@@ -10064,7 +10098,7 @@
               </a:ln>
               <a:extLst>
                 <a:ext uri="{91240B29-F687-4f45-9708-019B960494DF}">
-                  <a14:hiddenLine xmlns:a14="http://schemas.microsoft.com/office/drawing/2010/main" xmlns="" w="9525">
+                  <a14:hiddenLine xmlns="" xmlns:a14="http://schemas.microsoft.com/office/drawing/2010/main" w="9525">
                     <a:solidFill>
                       <a:srgbClr val="000000"/>
                     </a:solidFill>
@@ -10154,7 +10188,7 @@
               </a:ln>
               <a:extLst>
                 <a:ext uri="{91240B29-F687-4f45-9708-019B960494DF}">
-                  <a14:hiddenLine xmlns:a14="http://schemas.microsoft.com/office/drawing/2010/main" xmlns="" w="9525">
+                  <a14:hiddenLine xmlns="" xmlns:a14="http://schemas.microsoft.com/office/drawing/2010/main" w="9525">
                     <a:solidFill>
                       <a:srgbClr val="000000"/>
                     </a:solidFill>
@@ -10188,7 +10222,7 @@
               </a:ln>
               <a:extLst>
                 <a:ext uri="{91240B29-F687-4f45-9708-019B960494DF}">
-                  <a14:hiddenLine xmlns:a14="http://schemas.microsoft.com/office/drawing/2010/main" xmlns="" w="9525">
+                  <a14:hiddenLine xmlns="" xmlns:a14="http://schemas.microsoft.com/office/drawing/2010/main" w="9525">
                     <a:solidFill>
                       <a:srgbClr val="000000"/>
                     </a:solidFill>
@@ -10253,7 +10287,7 @@
               </a:ln>
               <a:extLst>
                 <a:ext uri="{91240B29-F687-4f45-9708-019B960494DF}">
-                  <a14:hiddenLine xmlns:a14="http://schemas.microsoft.com/office/drawing/2010/main" xmlns="" w="9525">
+                  <a14:hiddenLine xmlns="" xmlns:a14="http://schemas.microsoft.com/office/drawing/2010/main" w="9525">
                     <a:solidFill>
                       <a:srgbClr val="000000"/>
                     </a:solidFill>
@@ -10343,7 +10377,7 @@
               </a:ln>
               <a:extLst>
                 <a:ext uri="{91240B29-F687-4f45-9708-019B960494DF}">
-                  <a14:hiddenLine xmlns:a14="http://schemas.microsoft.com/office/drawing/2010/main" xmlns="" w="9525">
+                  <a14:hiddenLine xmlns="" xmlns:a14="http://schemas.microsoft.com/office/drawing/2010/main" w="9525">
                     <a:solidFill>
                       <a:srgbClr val="000000"/>
                     </a:solidFill>
@@ -10405,7 +10439,7 @@
               </a:ln>
               <a:extLst>
                 <a:ext uri="{91240B29-F687-4f45-9708-019B960494DF}">
-                  <a14:hiddenLine xmlns:a14="http://schemas.microsoft.com/office/drawing/2010/main" xmlns="" w="9525">
+                  <a14:hiddenLine xmlns="" xmlns:a14="http://schemas.microsoft.com/office/drawing/2010/main" w="9525">
                     <a:solidFill>
                       <a:srgbClr val="000000"/>
                     </a:solidFill>
@@ -10495,7 +10529,7 @@
               </a:ln>
               <a:extLst>
                 <a:ext uri="{91240B29-F687-4f45-9708-019B960494DF}">
-                  <a14:hiddenLine xmlns:a14="http://schemas.microsoft.com/office/drawing/2010/main" xmlns="" w="9525">
+                  <a14:hiddenLine xmlns="" xmlns:a14="http://schemas.microsoft.com/office/drawing/2010/main" w="9525">
                     <a:solidFill>
                       <a:srgbClr val="000000"/>
                     </a:solidFill>
@@ -10560,7 +10594,7 @@
               </a:ln>
               <a:extLst>
                 <a:ext uri="{91240B29-F687-4f45-9708-019B960494DF}">
-                  <a14:hiddenLine xmlns:a14="http://schemas.microsoft.com/office/drawing/2010/main" xmlns="" w="9525">
+                  <a14:hiddenLine xmlns="" xmlns:a14="http://schemas.microsoft.com/office/drawing/2010/main" w="9525">
                     <a:solidFill>
                       <a:srgbClr val="000000"/>
                     </a:solidFill>
@@ -10622,7 +10656,7 @@
               </a:ln>
               <a:extLst>
                 <a:ext uri="{91240B29-F687-4f45-9708-019B960494DF}">
-                  <a14:hiddenLine xmlns:a14="http://schemas.microsoft.com/office/drawing/2010/main" xmlns="" w="9525">
+                  <a14:hiddenLine xmlns="" xmlns:a14="http://schemas.microsoft.com/office/drawing/2010/main" w="9525">
                     <a:solidFill>
                       <a:srgbClr val="000000"/>
                     </a:solidFill>
@@ -10712,7 +10746,7 @@
               </a:ln>
               <a:extLst>
                 <a:ext uri="{91240B29-F687-4f45-9708-019B960494DF}">
-                  <a14:hiddenLine xmlns:a14="http://schemas.microsoft.com/office/drawing/2010/main" xmlns="" w="9525">
+                  <a14:hiddenLine xmlns="" xmlns:a14="http://schemas.microsoft.com/office/drawing/2010/main" w="9525">
                     <a:solidFill>
                       <a:srgbClr val="000000"/>
                     </a:solidFill>
@@ -10802,7 +10836,7 @@
               </a:ln>
               <a:extLst>
                 <a:ext uri="{91240B29-F687-4f45-9708-019B960494DF}">
-                  <a14:hiddenLine xmlns:a14="http://schemas.microsoft.com/office/drawing/2010/main" xmlns="" w="9525">
+                  <a14:hiddenLine xmlns="" xmlns:a14="http://schemas.microsoft.com/office/drawing/2010/main" w="9525">
                     <a:solidFill>
                       <a:srgbClr val="000000"/>
                     </a:solidFill>
@@ -10867,7 +10901,7 @@
               </a:ln>
               <a:extLst>
                 <a:ext uri="{91240B29-F687-4f45-9708-019B960494DF}">
-                  <a14:hiddenLine xmlns:a14="http://schemas.microsoft.com/office/drawing/2010/main" xmlns="" w="9525">
+                  <a14:hiddenLine xmlns="" xmlns:a14="http://schemas.microsoft.com/office/drawing/2010/main" w="9525">
                     <a:solidFill>
                       <a:srgbClr val="000000"/>
                     </a:solidFill>
@@ -10987,7 +11021,7 @@
               </a:ln>
               <a:extLst>
                 <a:ext uri="{91240B29-F687-4f45-9708-019B960494DF}">
-                  <a14:hiddenLine xmlns:a14="http://schemas.microsoft.com/office/drawing/2010/main" xmlns="" w="9525">
+                  <a14:hiddenLine xmlns="" xmlns:a14="http://schemas.microsoft.com/office/drawing/2010/main" w="9525">
                     <a:solidFill>
                       <a:srgbClr val="000000"/>
                     </a:solidFill>
@@ -11085,7 +11119,7 @@
               </a:ln>
               <a:extLst>
                 <a:ext uri="{91240B29-F687-4f45-9708-019B960494DF}">
-                  <a14:hiddenLine xmlns:a14="http://schemas.microsoft.com/office/drawing/2010/main" xmlns="" w="9525">
+                  <a14:hiddenLine xmlns="" xmlns:a14="http://schemas.microsoft.com/office/drawing/2010/main" w="9525">
                     <a:solidFill>
                       <a:srgbClr val="000000"/>
                     </a:solidFill>
@@ -11200,7 +11234,7 @@
               </a:ln>
               <a:extLst>
                 <a:ext uri="{91240B29-F687-4f45-9708-019B960494DF}">
-                  <a14:hiddenLine xmlns:a14="http://schemas.microsoft.com/office/drawing/2010/main" xmlns="" w="9525">
+                  <a14:hiddenLine xmlns="" xmlns:a14="http://schemas.microsoft.com/office/drawing/2010/main" w="9525">
                     <a:solidFill>
                       <a:srgbClr val="000000"/>
                     </a:solidFill>
@@ -11290,7 +11324,7 @@
               </a:ln>
               <a:extLst>
                 <a:ext uri="{91240B29-F687-4f45-9708-019B960494DF}">
-                  <a14:hiddenLine xmlns:a14="http://schemas.microsoft.com/office/drawing/2010/main" xmlns="" w="9525">
+                  <a14:hiddenLine xmlns="" xmlns:a14="http://schemas.microsoft.com/office/drawing/2010/main" w="9525">
                     <a:solidFill>
                       <a:srgbClr val="000000"/>
                     </a:solidFill>
@@ -11355,7 +11389,7 @@
               </a:ln>
               <a:extLst>
                 <a:ext uri="{91240B29-F687-4f45-9708-019B960494DF}">
-                  <a14:hiddenLine xmlns:a14="http://schemas.microsoft.com/office/drawing/2010/main" xmlns="" w="9525">
+                  <a14:hiddenLine xmlns="" xmlns:a14="http://schemas.microsoft.com/office/drawing/2010/main" w="9525">
                     <a:solidFill>
                       <a:srgbClr val="000000"/>
                     </a:solidFill>
@@ -11445,7 +11479,7 @@
               </a:ln>
               <a:extLst>
                 <a:ext uri="{91240B29-F687-4f45-9708-019B960494DF}">
-                  <a14:hiddenLine xmlns:a14="http://schemas.microsoft.com/office/drawing/2010/main" xmlns="" w="9525">
+                  <a14:hiddenLine xmlns="" xmlns:a14="http://schemas.microsoft.com/office/drawing/2010/main" w="9525">
                     <a:solidFill>
                       <a:srgbClr val="000000"/>
                     </a:solidFill>
@@ -11513,7 +11547,7 @@
               </a:ln>
               <a:extLst>
                 <a:ext uri="{91240B29-F687-4f45-9708-019B960494DF}">
-                  <a14:hiddenLine xmlns:a14="http://schemas.microsoft.com/office/drawing/2010/main" xmlns="" w="9525">
+                  <a14:hiddenLine xmlns="" xmlns:a14="http://schemas.microsoft.com/office/drawing/2010/main" w="9525">
                     <a:solidFill>
                       <a:srgbClr val="000000"/>
                     </a:solidFill>
@@ -11603,7 +11637,7 @@
               </a:ln>
               <a:extLst>
                 <a:ext uri="{91240B29-F687-4f45-9708-019B960494DF}">
-                  <a14:hiddenLine xmlns:a14="http://schemas.microsoft.com/office/drawing/2010/main" xmlns="" w="9525">
+                  <a14:hiddenLine xmlns="" xmlns:a14="http://schemas.microsoft.com/office/drawing/2010/main" w="9525">
                     <a:solidFill>
                       <a:srgbClr val="000000"/>
                     </a:solidFill>
@@ -11671,7 +11705,7 @@
               </a:ln>
               <a:extLst>
                 <a:ext uri="{91240B29-F687-4f45-9708-019B960494DF}">
-                  <a14:hiddenLine xmlns:a14="http://schemas.microsoft.com/office/drawing/2010/main" xmlns="" w="9525">
+                  <a14:hiddenLine xmlns="" xmlns:a14="http://schemas.microsoft.com/office/drawing/2010/main" w="9525">
                     <a:solidFill>
                       <a:srgbClr val="000000"/>
                     </a:solidFill>
@@ -11761,7 +11795,7 @@
               </a:ln>
               <a:extLst>
                 <a:ext uri="{91240B29-F687-4f45-9708-019B960494DF}">
-                  <a14:hiddenLine xmlns:a14="http://schemas.microsoft.com/office/drawing/2010/main" xmlns="" w="9525">
+                  <a14:hiddenLine xmlns="" xmlns:a14="http://schemas.microsoft.com/office/drawing/2010/main" w="9525">
                     <a:solidFill>
                       <a:srgbClr val="000000"/>
                     </a:solidFill>
@@ -11795,7 +11829,7 @@
               </a:ln>
               <a:extLst>
                 <a:ext uri="{91240B29-F687-4f45-9708-019B960494DF}">
-                  <a14:hiddenLine xmlns:a14="http://schemas.microsoft.com/office/drawing/2010/main" xmlns="" w="9525">
+                  <a14:hiddenLine xmlns="" xmlns:a14="http://schemas.microsoft.com/office/drawing/2010/main" w="9525">
                     <a:solidFill>
                       <a:srgbClr val="000000"/>
                     </a:solidFill>
@@ -12357,7 +12391,7 @@
           <p:cNvPr id="2" name="Title 1">
             <a:extLst>
               <a:ext uri="{FF2B5EF4-FFF2-40B4-BE49-F238E27FC236}">
-                <a16:creationId xmlns:a16="http://schemas.microsoft.com/office/drawing/2014/main" id="{7B839A60-6F83-43B0-929D-9A30DCE8E4AF}"/>
+                <a16:creationId xmlns:a16="http://schemas.microsoft.com/office/drawing/2014/main" xmlns="" id="{7B839A60-6F83-43B0-929D-9A30DCE8E4AF}"/>
               </a:ext>
             </a:extLst>
           </p:cNvPr>
@@ -12387,7 +12421,7 @@
           <p:cNvPr id="3" name="Subtitle 2">
             <a:extLst>
               <a:ext uri="{FF2B5EF4-FFF2-40B4-BE49-F238E27FC236}">
-                <a16:creationId xmlns:a16="http://schemas.microsoft.com/office/drawing/2014/main" id="{A8D52E7A-99F0-4D58-9FCF-E8F33D8CA71B}"/>
+                <a16:creationId xmlns:a16="http://schemas.microsoft.com/office/drawing/2014/main" xmlns="" id="{A8D52E7A-99F0-4D58-9FCF-E8F33D8CA71B}"/>
               </a:ext>
             </a:extLst>
           </p:cNvPr>
@@ -12476,7 +12510,7 @@
           <p:cNvPr id="4" name="TextBox 3">
             <a:extLst>
               <a:ext uri="{FF2B5EF4-FFF2-40B4-BE49-F238E27FC236}">
-                <a16:creationId xmlns:a16="http://schemas.microsoft.com/office/drawing/2014/main" id="{382C3939-2EED-4BEF-935D-2A54311E79D2}"/>
+                <a16:creationId xmlns:a16="http://schemas.microsoft.com/office/drawing/2014/main" xmlns="" id="{382C3939-2EED-4BEF-935D-2A54311E79D2}"/>
               </a:ext>
             </a:extLst>
           </p:cNvPr>
@@ -12486,7 +12520,7 @@
         <p:spPr>
           <a:xfrm>
             <a:off x="2294313" y="5584222"/>
-            <a:ext cx="9781332" cy="923330"/>
+            <a:ext cx="7789633" cy="1200329"/>
           </a:xfrm>
           <a:prstGeom prst="rect">
             <a:avLst/>
@@ -12539,7 +12573,21 @@
             </a:r>
             <a:r>
               <a:rPr lang="en-US" dirty="0"/>
-              <a:t>) in CS5551 Advanced Software Engineering, </a:t>
+              <a:t>) </a:t>
+            </a:r>
+            <a:r>
+              <a:rPr lang="en-US" dirty="0" smtClean="0"/>
+              <a:t>in</a:t>
+            </a:r>
+          </a:p>
+          <a:p>
+            <a:r>
+              <a:rPr lang="en-US" dirty="0" smtClean="0"/>
+              <a:t>CS5551 </a:t>
+            </a:r>
+            <a:r>
+              <a:rPr lang="en-US" dirty="0"/>
+              <a:t>Advanced Software Engineering, </a:t>
             </a:r>
           </a:p>
           <a:p>
@@ -12553,13 +12601,20 @@
     </p:spTree>
     <p:extLst>
       <p:ext uri="{BB962C8B-B14F-4D97-AF65-F5344CB8AC3E}">
-        <p14:creationId xmlns:p14="http://schemas.microsoft.com/office/powerpoint/2010/main" val="3692307430"/>
+        <p14:creationId xmlns:p14="http://schemas.microsoft.com/office/powerpoint/2010/main" xmlns="" val="3692307430"/>
       </p:ext>
     </p:extLst>
   </p:cSld>
   <p:clrMapOvr>
     <a:masterClrMapping/>
   </p:clrMapOvr>
+  <p:timing>
+    <p:tnLst>
+      <p:par>
+        <p:cTn id="1" dur="indefinite" restart="never" nodeType="tmRoot"/>
+      </p:par>
+    </p:tnLst>
+  </p:timing>
 </p:sld>
 </file>
 
@@ -12585,7 +12640,7 @@
           <p:cNvPr id="2" name="Title 1">
             <a:extLst>
               <a:ext uri="{FF2B5EF4-FFF2-40B4-BE49-F238E27FC236}">
-                <a16:creationId xmlns:a16="http://schemas.microsoft.com/office/drawing/2014/main" id="{23955E8B-FE78-4D62-8F3D-F0FA99552789}"/>
+                <a16:creationId xmlns:a16="http://schemas.microsoft.com/office/drawing/2014/main" xmlns="" id="{23955E8B-FE78-4D62-8F3D-F0FA99552789}"/>
               </a:ext>
             </a:extLst>
           </p:cNvPr>
@@ -12613,7 +12668,7 @@
           <p:cNvPr id="3" name="Content Placeholder 2">
             <a:extLst>
               <a:ext uri="{FF2B5EF4-FFF2-40B4-BE49-F238E27FC236}">
-                <a16:creationId xmlns:a16="http://schemas.microsoft.com/office/drawing/2014/main" id="{34BFD3C2-6144-4DB8-A80C-77F0CC6A4D5E}"/>
+                <a16:creationId xmlns:a16="http://schemas.microsoft.com/office/drawing/2014/main" xmlns="" id="{34BFD3C2-6144-4DB8-A80C-77F0CC6A4D5E}"/>
               </a:ext>
             </a:extLst>
           </p:cNvPr>
@@ -12636,7 +12691,7 @@
     </p:spTree>
     <p:extLst>
       <p:ext uri="{BB962C8B-B14F-4D97-AF65-F5344CB8AC3E}">
-        <p14:creationId xmlns:p14="http://schemas.microsoft.com/office/powerpoint/2010/main" val="3699083438"/>
+        <p14:creationId xmlns:p14="http://schemas.microsoft.com/office/powerpoint/2010/main" xmlns="" val="3699083438"/>
       </p:ext>
     </p:extLst>
   </p:cSld>
@@ -12668,7 +12723,7 @@
           <p:cNvPr id="2" name="Title 1">
             <a:extLst>
               <a:ext uri="{FF2B5EF4-FFF2-40B4-BE49-F238E27FC236}">
-                <a16:creationId xmlns:a16="http://schemas.microsoft.com/office/drawing/2014/main" id="{44F9C7EE-344B-4E16-A412-8606FB71C8E2}"/>
+                <a16:creationId xmlns:a16="http://schemas.microsoft.com/office/drawing/2014/main" xmlns="" id="{44F9C7EE-344B-4E16-A412-8606FB71C8E2}"/>
               </a:ext>
             </a:extLst>
           </p:cNvPr>
@@ -12696,7 +12751,7 @@
           <p:cNvPr id="3" name="Content Placeholder 2">
             <a:extLst>
               <a:ext uri="{FF2B5EF4-FFF2-40B4-BE49-F238E27FC236}">
-                <a16:creationId xmlns:a16="http://schemas.microsoft.com/office/drawing/2014/main" id="{91409705-7D03-4508-9680-D9400DB87110}"/>
+                <a16:creationId xmlns:a16="http://schemas.microsoft.com/office/drawing/2014/main" xmlns="" id="{91409705-7D03-4508-9680-D9400DB87110}"/>
               </a:ext>
             </a:extLst>
           </p:cNvPr>
@@ -12736,13 +12791,20 @@
     </p:spTree>
     <p:extLst>
       <p:ext uri="{BB962C8B-B14F-4D97-AF65-F5344CB8AC3E}">
-        <p14:creationId xmlns:p14="http://schemas.microsoft.com/office/powerpoint/2010/main" val="733816874"/>
+        <p14:creationId xmlns:p14="http://schemas.microsoft.com/office/powerpoint/2010/main" xmlns="" val="733816874"/>
       </p:ext>
     </p:extLst>
   </p:cSld>
   <p:clrMapOvr>
     <a:masterClrMapping/>
   </p:clrMapOvr>
+  <p:timing>
+    <p:tnLst>
+      <p:par>
+        <p:cTn id="1" dur="indefinite" restart="never" nodeType="tmRoot"/>
+      </p:par>
+    </p:tnLst>
+  </p:timing>
 </p:sld>
 </file>
 
@@ -12768,7 +12830,7 @@
           <p:cNvPr id="2" name="Title 1">
             <a:extLst>
               <a:ext uri="{FF2B5EF4-FFF2-40B4-BE49-F238E27FC236}">
-                <a16:creationId xmlns:a16="http://schemas.microsoft.com/office/drawing/2014/main" id="{8275DBA8-8A0E-45E4-829C-BE5E6D787E44}"/>
+                <a16:creationId xmlns:a16="http://schemas.microsoft.com/office/drawing/2014/main" xmlns="" id="{8275DBA8-8A0E-45E4-829C-BE5E6D787E44}"/>
               </a:ext>
             </a:extLst>
           </p:cNvPr>
@@ -12796,7 +12858,7 @@
           <p:cNvPr id="3" name="Content Placeholder 2">
             <a:extLst>
               <a:ext uri="{FF2B5EF4-FFF2-40B4-BE49-F238E27FC236}">
-                <a16:creationId xmlns:a16="http://schemas.microsoft.com/office/drawing/2014/main" id="{CDF11954-A5E1-48CD-8793-BD6173388BA1}"/>
+                <a16:creationId xmlns:a16="http://schemas.microsoft.com/office/drawing/2014/main" xmlns="" id="{CDF11954-A5E1-48CD-8793-BD6173388BA1}"/>
               </a:ext>
             </a:extLst>
           </p:cNvPr>
@@ -12809,7 +12871,9 @@
         </p:nvSpPr>
         <p:spPr/>
         <p:txBody>
-          <a:bodyPr/>
+          <a:bodyPr>
+            <a:normAutofit fontScale="92500" lnSpcReduction="10000"/>
+          </a:bodyPr>
           <a:lstStyle/>
           <a:p>
             <a:r>
@@ -12842,8 +12906,33 @@
           <a:p>
             <a:r>
               <a:rPr lang="en-US" dirty="0"/>
-              <a:t>BMI API for use with suggestions</a:t>
-            </a:r>
+              <a:t>BMI API for use with </a:t>
+            </a:r>
+            <a:r>
+              <a:rPr lang="en-US" dirty="0" smtClean="0"/>
+              <a:t>suggestions</a:t>
+            </a:r>
+          </a:p>
+          <a:p>
+            <a:r>
+              <a:rPr lang="en-US" dirty="0" err="1" smtClean="0"/>
+              <a:t>MongoDB</a:t>
+            </a:r>
+            <a:r>
+              <a:rPr lang="en-US" dirty="0" smtClean="0"/>
+              <a:t> for Tweet data storage</a:t>
+            </a:r>
+          </a:p>
+          <a:p>
+            <a:r>
+              <a:rPr lang="en-US" dirty="0" smtClean="0"/>
+              <a:t>Twitter API for </a:t>
+            </a:r>
+            <a:r>
+              <a:rPr lang="en-US" smtClean="0"/>
+              <a:t>retrieving Tweet data</a:t>
+            </a:r>
+            <a:endParaRPr lang="en-US" dirty="0"/>
           </a:p>
           <a:p>
             <a:endParaRPr lang="en-US" dirty="0"/>
@@ -12853,7 +12942,7 @@
     </p:spTree>
     <p:extLst>
       <p:ext uri="{BB962C8B-B14F-4D97-AF65-F5344CB8AC3E}">
-        <p14:creationId xmlns:p14="http://schemas.microsoft.com/office/powerpoint/2010/main" val="1141914061"/>
+        <p14:creationId xmlns:p14="http://schemas.microsoft.com/office/powerpoint/2010/main" xmlns="" val="1141914061"/>
       </p:ext>
     </p:extLst>
   </p:cSld>
@@ -12885,7 +12974,7 @@
           <p:cNvPr id="2" name="Title 1">
             <a:extLst>
               <a:ext uri="{FF2B5EF4-FFF2-40B4-BE49-F238E27FC236}">
-                <a16:creationId xmlns:a16="http://schemas.microsoft.com/office/drawing/2014/main" id="{AF326C24-B766-4F33-A911-3BE5433408F1}"/>
+                <a16:creationId xmlns:a16="http://schemas.microsoft.com/office/drawing/2014/main" xmlns="" id="{AF326C24-B766-4F33-A911-3BE5433408F1}"/>
               </a:ext>
             </a:extLst>
           </p:cNvPr>
@@ -12913,7 +13002,7 @@
           <p:cNvPr id="6" name="Picture Placeholder 5">
             <a:extLst>
               <a:ext uri="{FF2B5EF4-FFF2-40B4-BE49-F238E27FC236}">
-                <a16:creationId xmlns:a16="http://schemas.microsoft.com/office/drawing/2014/main" id="{4B673759-DBAF-4F1C-882A-819EFCEEFA60}"/>
+                <a16:creationId xmlns:a16="http://schemas.microsoft.com/office/drawing/2014/main" xmlns="" id="{4B673759-DBAF-4F1C-882A-819EFCEEFA60}"/>
               </a:ext>
             </a:extLst>
           </p:cNvPr>
@@ -12931,7 +13020,7 @@
           <p:cNvPr id="7" name="Text Placeholder 6">
             <a:extLst>
               <a:ext uri="{FF2B5EF4-FFF2-40B4-BE49-F238E27FC236}">
-                <a16:creationId xmlns:a16="http://schemas.microsoft.com/office/drawing/2014/main" id="{BB0F2C73-BC7E-4D09-ACAE-8CAEDDFD8073}"/>
+                <a16:creationId xmlns:a16="http://schemas.microsoft.com/office/drawing/2014/main" xmlns="" id="{BB0F2C73-BC7E-4D09-ACAE-8CAEDDFD8073}"/>
               </a:ext>
             </a:extLst>
           </p:cNvPr>
@@ -12954,7 +13043,7 @@
     </p:spTree>
     <p:extLst>
       <p:ext uri="{BB962C8B-B14F-4D97-AF65-F5344CB8AC3E}">
-        <p14:creationId xmlns:p14="http://schemas.microsoft.com/office/powerpoint/2010/main" val="1018209779"/>
+        <p14:creationId xmlns:p14="http://schemas.microsoft.com/office/powerpoint/2010/main" xmlns="" val="1018209779"/>
       </p:ext>
     </p:extLst>
   </p:cSld>
@@ -12986,7 +13075,7 @@
           <p:cNvPr id="2" name="Title 1">
             <a:extLst>
               <a:ext uri="{FF2B5EF4-FFF2-40B4-BE49-F238E27FC236}">
-                <a16:creationId xmlns:a16="http://schemas.microsoft.com/office/drawing/2014/main" id="{4591D1CD-1D96-4597-922A-547334AADBEF}"/>
+                <a16:creationId xmlns:a16="http://schemas.microsoft.com/office/drawing/2014/main" xmlns="" id="{4591D1CD-1D96-4597-922A-547334AADBEF}"/>
               </a:ext>
             </a:extLst>
           </p:cNvPr>
@@ -13014,7 +13103,7 @@
           <p:cNvPr id="4" name="Picture Placeholder 3">
             <a:extLst>
               <a:ext uri="{FF2B5EF4-FFF2-40B4-BE49-F238E27FC236}">
-                <a16:creationId xmlns:a16="http://schemas.microsoft.com/office/drawing/2014/main" id="{0F45F1D5-FD78-4D4B-9FCC-C94F8FADC930}"/>
+                <a16:creationId xmlns:a16="http://schemas.microsoft.com/office/drawing/2014/main" xmlns="" id="{0F45F1D5-FD78-4D4B-9FCC-C94F8FADC930}"/>
               </a:ext>
             </a:extLst>
           </p:cNvPr>
@@ -13032,7 +13121,7 @@
           <p:cNvPr id="5" name="Text Placeholder 4">
             <a:extLst>
               <a:ext uri="{FF2B5EF4-FFF2-40B4-BE49-F238E27FC236}">
-                <a16:creationId xmlns:a16="http://schemas.microsoft.com/office/drawing/2014/main" id="{4533C706-8DF2-4B88-9525-72610A1746DD}"/>
+                <a16:creationId xmlns:a16="http://schemas.microsoft.com/office/drawing/2014/main" xmlns="" id="{4533C706-8DF2-4B88-9525-72610A1746DD}"/>
               </a:ext>
             </a:extLst>
           </p:cNvPr>
@@ -13055,7 +13144,7 @@
     </p:spTree>
     <p:extLst>
       <p:ext uri="{BB962C8B-B14F-4D97-AF65-F5344CB8AC3E}">
-        <p14:creationId xmlns:p14="http://schemas.microsoft.com/office/powerpoint/2010/main" val="992442457"/>
+        <p14:creationId xmlns:p14="http://schemas.microsoft.com/office/powerpoint/2010/main" xmlns="" val="992442457"/>
       </p:ext>
     </p:extLst>
   </p:cSld>
@@ -13087,7 +13176,7 @@
           <p:cNvPr id="2" name="Title 1">
             <a:extLst>
               <a:ext uri="{FF2B5EF4-FFF2-40B4-BE49-F238E27FC236}">
-                <a16:creationId xmlns:a16="http://schemas.microsoft.com/office/drawing/2014/main" id="{5DD015AE-1BBD-4DD7-96D7-5ECDA5205751}"/>
+                <a16:creationId xmlns:a16="http://schemas.microsoft.com/office/drawing/2014/main" xmlns="" id="{5DD015AE-1BBD-4DD7-96D7-5ECDA5205751}"/>
               </a:ext>
             </a:extLst>
           </p:cNvPr>
@@ -13112,28 +13201,10 @@
       </p:sp>
       <p:sp>
         <p:nvSpPr>
-          <p:cNvPr id="4" name="Picture Placeholder 3">
-            <a:extLst>
-              <a:ext uri="{FF2B5EF4-FFF2-40B4-BE49-F238E27FC236}">
-                <a16:creationId xmlns:a16="http://schemas.microsoft.com/office/drawing/2014/main" id="{E409C966-2C90-4A57-8589-26BF89B0ABD4}"/>
-              </a:ext>
-            </a:extLst>
-          </p:cNvPr>
-          <p:cNvSpPr>
-            <a:spLocks noGrp="1"/>
-          </p:cNvSpPr>
-          <p:nvPr>
-            <p:ph type="pic" idx="1"/>
-          </p:nvPr>
-        </p:nvSpPr>
-        <p:spPr/>
-      </p:sp>
-      <p:sp>
-        <p:nvSpPr>
           <p:cNvPr id="5" name="Text Placeholder 4">
             <a:extLst>
               <a:ext uri="{FF2B5EF4-FFF2-40B4-BE49-F238E27FC236}">
-                <a16:creationId xmlns:a16="http://schemas.microsoft.com/office/drawing/2014/main" id="{4350079C-275E-4B7C-AFF9-B9451A458B15}"/>
+                <a16:creationId xmlns:a16="http://schemas.microsoft.com/office/drawing/2014/main" xmlns="" id="{4350079C-275E-4B7C-AFF9-B9451A458B15}"/>
               </a:ext>
             </a:extLst>
           </p:cNvPr>
@@ -13149,14 +13220,123 @@
           <a:bodyPr/>
           <a:lstStyle/>
           <a:p>
-            <a:endParaRPr lang="en-US"/>
+            <a:pPr>
+              <a:buFont typeface="Arial" pitchFamily="34" charset="0"/>
+              <a:buChar char="•"/>
+            </a:pPr>
+            <a:r>
+              <a:rPr lang="en-US" dirty="0" smtClean="0"/>
+              <a:t>Powered by </a:t>
+            </a:r>
+            <a:r>
+              <a:rPr lang="en-US" dirty="0" err="1" smtClean="0"/>
+              <a:t>Indix</a:t>
+            </a:r>
+            <a:r>
+              <a:rPr lang="en-US" dirty="0" smtClean="0"/>
+              <a:t> Product Search API</a:t>
+            </a:r>
+          </a:p>
+          <a:p>
+            <a:pPr>
+              <a:buFont typeface="Arial" pitchFamily="34" charset="0"/>
+              <a:buChar char="•"/>
+            </a:pPr>
+            <a:r>
+              <a:rPr lang="en-US" dirty="0" err="1" smtClean="0"/>
+              <a:t>Indix</a:t>
+            </a:r>
+            <a:r>
+              <a:rPr lang="en-US" dirty="0" smtClean="0"/>
+              <a:t> API allows for searching of a variety of different products</a:t>
+            </a:r>
+          </a:p>
+          <a:p>
+            <a:pPr>
+              <a:buFont typeface="Arial" pitchFamily="34" charset="0"/>
+              <a:buChar char="•"/>
+            </a:pPr>
+            <a:r>
+              <a:rPr lang="en-US" dirty="0" smtClean="0"/>
+              <a:t>Draw back: limited data that is available, such as limited number of images</a:t>
+            </a:r>
+          </a:p>
+          <a:p>
+            <a:pPr>
+              <a:buFont typeface="Arial" pitchFamily="34" charset="0"/>
+              <a:buChar char="•"/>
+            </a:pPr>
+            <a:r>
+              <a:rPr lang="en-US" dirty="0" smtClean="0"/>
+              <a:t>Data is retrieved from </a:t>
+            </a:r>
+            <a:r>
+              <a:rPr lang="en-US" dirty="0" err="1" smtClean="0"/>
+              <a:t>Indix</a:t>
+            </a:r>
+            <a:r>
+              <a:rPr lang="en-US" dirty="0" smtClean="0"/>
+              <a:t> API using Google Network Framework – Volley</a:t>
+            </a:r>
+            <a:endParaRPr lang="en-US" dirty="0"/>
+          </a:p>
+          <a:p>
+            <a:pPr>
+              <a:buFont typeface="Arial" pitchFamily="34" charset="0"/>
+              <a:buChar char="•"/>
+            </a:pPr>
+            <a:r>
+              <a:rPr lang="en-US" dirty="0" smtClean="0"/>
+              <a:t>Flexible searching</a:t>
+            </a:r>
+          </a:p>
+          <a:p>
+            <a:pPr>
+              <a:buFont typeface="Arial" pitchFamily="34" charset="0"/>
+              <a:buChar char="•"/>
+            </a:pPr>
+            <a:r>
+              <a:rPr lang="en-US" dirty="0" smtClean="0"/>
+              <a:t>Sorting is done in code</a:t>
+            </a:r>
+            <a:endParaRPr lang="en-US" dirty="0" smtClean="0"/>
           </a:p>
         </p:txBody>
       </p:sp>
+      <p:pic>
+        <p:nvPicPr>
+          <p:cNvPr id="1026" name="Picture 2"/>
+          <p:cNvPicPr>
+            <a:picLocks noGrp="1" noChangeAspect="1" noChangeArrowheads="1"/>
+          </p:cNvPicPr>
+          <p:nvPr>
+            <p:ph type="pic" idx="1"/>
+          </p:nvPr>
+        </p:nvPicPr>
+        <p:blipFill>
+          <a:blip r:embed="rId2"/>
+          <a:srcRect t="11607" b="11607"/>
+          <a:stretch>
+            <a:fillRect/>
+          </a:stretch>
+        </p:blipFill>
+        <p:spPr bwMode="auto">
+          <a:prstGeom prst="rect">
+            <a:avLst/>
+          </a:prstGeom>
+          <a:noFill/>
+          <a:ln w="9525">
+            <a:noFill/>
+            <a:miter lim="800000"/>
+            <a:headEnd/>
+            <a:tailEnd/>
+          </a:ln>
+        </p:spPr>
+      </p:pic>
     </p:spTree>
     <p:extLst>
       <p:ext uri="{BB962C8B-B14F-4D97-AF65-F5344CB8AC3E}">
-        <p14:creationId xmlns:p14="http://schemas.microsoft.com/office/powerpoint/2010/main" val="2071181324"/>
+        <p14:creationId xmlns:p14="http://schemas.microsoft.com/office/powerpoint/2010/main" xmlns="" val="2071181324"/>
       </p:ext>
     </p:extLst>
   </p:cSld>
@@ -13188,7 +13368,7 @@
           <p:cNvPr id="2" name="Title 1">
             <a:extLst>
               <a:ext uri="{FF2B5EF4-FFF2-40B4-BE49-F238E27FC236}">
-                <a16:creationId xmlns:a16="http://schemas.microsoft.com/office/drawing/2014/main" id="{6AA13F92-3A1F-4E87-A1DB-0FF046FCB6BC}"/>
+                <a16:creationId xmlns:a16="http://schemas.microsoft.com/office/drawing/2014/main" xmlns="" id="{6AA13F92-3A1F-4E87-A1DB-0FF046FCB6BC}"/>
               </a:ext>
             </a:extLst>
           </p:cNvPr>
@@ -13216,7 +13396,7 @@
           <p:cNvPr id="6" name="Picture Placeholder 5">
             <a:extLst>
               <a:ext uri="{FF2B5EF4-FFF2-40B4-BE49-F238E27FC236}">
-                <a16:creationId xmlns:a16="http://schemas.microsoft.com/office/drawing/2014/main" id="{843A2B01-5708-421D-9091-0AEF24BE9467}"/>
+                <a16:creationId xmlns:a16="http://schemas.microsoft.com/office/drawing/2014/main" xmlns="" id="{843A2B01-5708-421D-9091-0AEF24BE9467}"/>
               </a:ext>
             </a:extLst>
           </p:cNvPr>
@@ -13234,7 +13414,7 @@
           <p:cNvPr id="7" name="Text Placeholder 6">
             <a:extLst>
               <a:ext uri="{FF2B5EF4-FFF2-40B4-BE49-F238E27FC236}">
-                <a16:creationId xmlns:a16="http://schemas.microsoft.com/office/drawing/2014/main" id="{DCBD966C-C420-4F86-BE6F-87E0F8DF2EF3}"/>
+                <a16:creationId xmlns:a16="http://schemas.microsoft.com/office/drawing/2014/main" xmlns="" id="{DCBD966C-C420-4F86-BE6F-87E0F8DF2EF3}"/>
               </a:ext>
             </a:extLst>
           </p:cNvPr>
@@ -13257,7 +13437,7 @@
     </p:spTree>
     <p:extLst>
       <p:ext uri="{BB962C8B-B14F-4D97-AF65-F5344CB8AC3E}">
-        <p14:creationId xmlns:p14="http://schemas.microsoft.com/office/powerpoint/2010/main" val="2045000928"/>
+        <p14:creationId xmlns:p14="http://schemas.microsoft.com/office/powerpoint/2010/main" xmlns="" val="2045000928"/>
       </p:ext>
     </p:extLst>
   </p:cSld>
@@ -13289,7 +13469,7 @@
           <p:cNvPr id="2" name="Title 1">
             <a:extLst>
               <a:ext uri="{FF2B5EF4-FFF2-40B4-BE49-F238E27FC236}">
-                <a16:creationId xmlns:a16="http://schemas.microsoft.com/office/drawing/2014/main" id="{E461EDA9-DE66-48BB-A58F-CE37B60CEB7F}"/>
+                <a16:creationId xmlns:a16="http://schemas.microsoft.com/office/drawing/2014/main" xmlns="" id="{E461EDA9-DE66-48BB-A58F-CE37B60CEB7F}"/>
               </a:ext>
             </a:extLst>
           </p:cNvPr>
@@ -13317,7 +13497,7 @@
           <p:cNvPr id="4" name="Picture Placeholder 3">
             <a:extLst>
               <a:ext uri="{FF2B5EF4-FFF2-40B4-BE49-F238E27FC236}">
-                <a16:creationId xmlns:a16="http://schemas.microsoft.com/office/drawing/2014/main" id="{6D0440F9-2B50-49DD-9917-0402E416CD81}"/>
+                <a16:creationId xmlns:a16="http://schemas.microsoft.com/office/drawing/2014/main" xmlns="" id="{6D0440F9-2B50-49DD-9917-0402E416CD81}"/>
               </a:ext>
             </a:extLst>
           </p:cNvPr>
@@ -13335,7 +13515,7 @@
           <p:cNvPr id="5" name="Text Placeholder 4">
             <a:extLst>
               <a:ext uri="{FF2B5EF4-FFF2-40B4-BE49-F238E27FC236}">
-                <a16:creationId xmlns:a16="http://schemas.microsoft.com/office/drawing/2014/main" id="{99643359-766C-4C7D-8C34-C2EFE8E68970}"/>
+                <a16:creationId xmlns:a16="http://schemas.microsoft.com/office/drawing/2014/main" xmlns="" id="{99643359-766C-4C7D-8C34-C2EFE8E68970}"/>
               </a:ext>
             </a:extLst>
           </p:cNvPr>
@@ -13358,7 +13538,7 @@
     </p:spTree>
     <p:extLst>
       <p:ext uri="{BB962C8B-B14F-4D97-AF65-F5344CB8AC3E}">
-        <p14:creationId xmlns:p14="http://schemas.microsoft.com/office/powerpoint/2010/main" val="2929965599"/>
+        <p14:creationId xmlns:p14="http://schemas.microsoft.com/office/powerpoint/2010/main" xmlns="" val="2929965599"/>
       </p:ext>
     </p:extLst>
   </p:cSld>
@@ -13390,7 +13570,7 @@
           <p:cNvPr id="2" name="Title 1">
             <a:extLst>
               <a:ext uri="{FF2B5EF4-FFF2-40B4-BE49-F238E27FC236}">
-                <a16:creationId xmlns:a16="http://schemas.microsoft.com/office/drawing/2014/main" id="{88CBFC33-F07D-45CD-90F9-6DDE0313E9EE}"/>
+                <a16:creationId xmlns:a16="http://schemas.microsoft.com/office/drawing/2014/main" xmlns="" id="{88CBFC33-F07D-45CD-90F9-6DDE0313E9EE}"/>
               </a:ext>
             </a:extLst>
           </p:cNvPr>
@@ -13418,7 +13598,7 @@
           <p:cNvPr id="4" name="Picture Placeholder 3">
             <a:extLst>
               <a:ext uri="{FF2B5EF4-FFF2-40B4-BE49-F238E27FC236}">
-                <a16:creationId xmlns:a16="http://schemas.microsoft.com/office/drawing/2014/main" id="{DE154C56-F546-4E37-A6F5-ADCC7539B0C3}"/>
+                <a16:creationId xmlns:a16="http://schemas.microsoft.com/office/drawing/2014/main" xmlns="" id="{DE154C56-F546-4E37-A6F5-ADCC7539B0C3}"/>
               </a:ext>
             </a:extLst>
           </p:cNvPr>
@@ -13436,7 +13616,7 @@
           <p:cNvPr id="5" name="Text Placeholder 4">
             <a:extLst>
               <a:ext uri="{FF2B5EF4-FFF2-40B4-BE49-F238E27FC236}">
-                <a16:creationId xmlns:a16="http://schemas.microsoft.com/office/drawing/2014/main" id="{6A785824-CA9D-41E6-835E-12DD4B113F5D}"/>
+                <a16:creationId xmlns:a16="http://schemas.microsoft.com/office/drawing/2014/main" xmlns="" id="{6A785824-CA9D-41E6-835E-12DD4B113F5D}"/>
               </a:ext>
             </a:extLst>
           </p:cNvPr>
@@ -13459,7 +13639,7 @@
     </p:spTree>
     <p:extLst>
       <p:ext uri="{BB962C8B-B14F-4D97-AF65-F5344CB8AC3E}">
-        <p14:creationId xmlns:p14="http://schemas.microsoft.com/office/powerpoint/2010/main" val="1788965391"/>
+        <p14:creationId xmlns:p14="http://schemas.microsoft.com/office/powerpoint/2010/main" xmlns="" val="1788965391"/>
       </p:ext>
     </p:extLst>
   </p:cSld>
@@ -13512,7 +13692,7 @@
     </a:clrScheme>
     <a:fontScheme name="Circuit">
       <a:majorFont>
-        <a:latin typeface="Tw Cen MT" panose="020B0602020104020603"/>
+        <a:latin typeface="Tw Cen MT"/>
         <a:ea typeface=""/>
         <a:cs typeface=""/>
         <a:font script="Jpan" typeface="ＭＳ Ｐゴシック"/>
@@ -13547,7 +13727,7 @@
         <a:font script="Geor" typeface="Sylfaen"/>
       </a:majorFont>
       <a:minorFont>
-        <a:latin typeface="Tw Cen MT" panose="020B0602020104020603"/>
+        <a:latin typeface="Tw Cen MT"/>
         <a:ea typeface=""/>
         <a:cs typeface=""/>
         <a:font script="Jpan" typeface="ＭＳ Ｐゴシック"/>
@@ -13714,7 +13894,7 @@
   <a:extraClrSchemeLst/>
   <a:extLst>
     <a:ext uri="{05A4C25C-085E-4340-85A3-A5531E510DB2}">
-      <thm15:themeFamily xmlns:thm15="http://schemas.microsoft.com/office/thememl/2012/main" name="Circuit" id="{0AC2F7E7-15F5-431C-B2A2-456FE929F56C}" vid="{0911B802-464C-4241-8DD9-B60FF88E379F}"/>
+      <thm15:themeFamily xmlns:thm15="http://schemas.microsoft.com/office/thememl/2012/main" xmlns="" name="Circuit" id="{0AC2F7E7-15F5-431C-B2A2-456FE929F56C}" vid="{0911B802-464C-4241-8DD9-B60FF88E379F}"/>
     </a:ext>
   </a:extLst>
 </a:theme>
